--- a/Week2/PyTutorial_Week2.pptx
+++ b/Week2/PyTutorial_Week2.pptx
@@ -5,7 +5,7 @@
     <p:sldMasterId id="2147483660" r:id="rId1"/>
   </p:sldMasterIdLst>
   <p:notesMasterIdLst>
-    <p:notesMasterId r:id="rId22"/>
+    <p:notesMasterId r:id="rId25"/>
   </p:notesMasterIdLst>
   <p:sldIdLst>
     <p:sldId id="256" r:id="rId2"/>
@@ -27,7 +27,10 @@
     <p:sldId id="292" r:id="rId18"/>
     <p:sldId id="293" r:id="rId19"/>
     <p:sldId id="294" r:id="rId20"/>
-    <p:sldId id="264" r:id="rId21"/>
+    <p:sldId id="295" r:id="rId21"/>
+    <p:sldId id="296" r:id="rId22"/>
+    <p:sldId id="297" r:id="rId23"/>
+    <p:sldId id="264" r:id="rId24"/>
   </p:sldIdLst>
   <p:sldSz cx="9144000" cy="6858000" type="screen4x3"/>
   <p:notesSz cx="6858000" cy="9144000"/>
@@ -227,7 +230,7 @@
           <a:p>
             <a:fld id="{97D534D3-0866-4BF5-A3A3-C1862587BE6F}" type="datetimeFigureOut">
               <a:rPr lang="en-GB" smtClean="0"/>
-              <a:t>03/07/2019</a:t>
+              <a:t>04/07/2019</a:t>
             </a:fld>
             <a:endParaRPr lang="en-GB"/>
           </a:p>
@@ -935,7 +938,7 @@
           <a:p>
             <a:fld id="{5BBEAD13-0566-4C6C-97E7-55F17F24B09F}" type="datetimeFigureOut">
               <a:rPr lang="zh-TW" altLang="en-US" smtClean="0"/>
-              <a:t>2019/7/3</a:t>
+              <a:t>2019/7/4</a:t>
             </a:fld>
             <a:endParaRPr lang="zh-TW" altLang="en-US"/>
           </a:p>
@@ -1288,7 +1291,7 @@
           <a:p>
             <a:fld id="{5BBEAD13-0566-4C6C-97E7-55F17F24B09F}" type="datetimeFigureOut">
               <a:rPr lang="zh-TW" altLang="en-US" smtClean="0"/>
-              <a:t>2019/7/3</a:t>
+              <a:t>2019/7/4</a:t>
             </a:fld>
             <a:endParaRPr lang="zh-TW" altLang="en-US"/>
           </a:p>
@@ -1463,7 +1466,7 @@
           <a:p>
             <a:fld id="{5BBEAD13-0566-4C6C-97E7-55F17F24B09F}" type="datetimeFigureOut">
               <a:rPr lang="zh-TW" altLang="en-US" smtClean="0"/>
-              <a:t>2019/7/3</a:t>
+              <a:t>2019/7/4</a:t>
             </a:fld>
             <a:endParaRPr lang="zh-TW" altLang="en-US"/>
           </a:p>
@@ -1576,7 +1579,7 @@
           <a:p>
             <a:fld id="{5BBEAD13-0566-4C6C-97E7-55F17F24B09F}" type="datetimeFigureOut">
               <a:rPr lang="zh-TW" altLang="en-US" smtClean="0"/>
-              <a:t>2019/7/3</a:t>
+              <a:t>2019/7/4</a:t>
             </a:fld>
             <a:endParaRPr lang="zh-TW" altLang="en-US"/>
           </a:p>
@@ -1934,7 +1937,7 @@
           <a:p>
             <a:fld id="{5BBEAD13-0566-4C6C-97E7-55F17F24B09F}" type="datetimeFigureOut">
               <a:rPr lang="zh-TW" altLang="en-US" smtClean="0"/>
-              <a:t>2019/7/3</a:t>
+              <a:t>2019/7/4</a:t>
             </a:fld>
             <a:endParaRPr lang="zh-TW" altLang="en-US"/>
           </a:p>
@@ -2199,7 +2202,7 @@
           <a:p>
             <a:fld id="{5BBEAD13-0566-4C6C-97E7-55F17F24B09F}" type="datetimeFigureOut">
               <a:rPr lang="zh-TW" altLang="en-US" smtClean="0"/>
-              <a:t>2019/7/3</a:t>
+              <a:t>2019/7/4</a:t>
             </a:fld>
             <a:endParaRPr lang="zh-TW" altLang="en-US"/>
           </a:p>
@@ -2561,7 +2564,7 @@
           <a:p>
             <a:fld id="{5BBEAD13-0566-4C6C-97E7-55F17F24B09F}" type="datetimeFigureOut">
               <a:rPr lang="zh-TW" altLang="en-US" smtClean="0"/>
-              <a:t>2019/7/3</a:t>
+              <a:t>2019/7/4</a:t>
             </a:fld>
             <a:endParaRPr lang="zh-TW" altLang="en-US"/>
           </a:p>
@@ -2788,7 +2791,7 @@
           <a:p>
             <a:fld id="{5BBEAD13-0566-4C6C-97E7-55F17F24B09F}" type="datetimeFigureOut">
               <a:rPr lang="zh-TW" altLang="en-US" smtClean="0"/>
-              <a:t>2019/7/3</a:t>
+              <a:t>2019/7/4</a:t>
             </a:fld>
             <a:endParaRPr lang="zh-TW" altLang="en-US"/>
           </a:p>
@@ -2878,7 +2881,7 @@
           <a:p>
             <a:fld id="{5BBEAD13-0566-4C6C-97E7-55F17F24B09F}" type="datetimeFigureOut">
               <a:rPr lang="zh-TW" altLang="en-US" smtClean="0"/>
-              <a:t>2019/7/3</a:t>
+              <a:t>2019/7/4</a:t>
             </a:fld>
             <a:endParaRPr lang="zh-TW" altLang="en-US"/>
           </a:p>
@@ -3145,7 +3148,7 @@
           <a:p>
             <a:fld id="{5BBEAD13-0566-4C6C-97E7-55F17F24B09F}" type="datetimeFigureOut">
               <a:rPr lang="zh-TW" altLang="en-US" smtClean="0"/>
-              <a:t>2019/7/3</a:t>
+              <a:t>2019/7/4</a:t>
             </a:fld>
             <a:endParaRPr lang="zh-TW" altLang="en-US"/>
           </a:p>
@@ -3373,7 +3376,7 @@
           <a:p>
             <a:fld id="{5BBEAD13-0566-4C6C-97E7-55F17F24B09F}" type="datetimeFigureOut">
               <a:rPr lang="zh-TW" altLang="en-US" smtClean="0"/>
-              <a:t>2019/7/3</a:t>
+              <a:t>2019/7/4</a:t>
             </a:fld>
             <a:endParaRPr lang="zh-TW" altLang="en-US"/>
           </a:p>
@@ -3872,7 +3875,7 @@
           <a:p>
             <a:fld id="{5BBEAD13-0566-4C6C-97E7-55F17F24B09F}" type="datetimeFigureOut">
               <a:rPr lang="zh-TW" altLang="en-US" smtClean="0"/>
-              <a:t>2019/7/3</a:t>
+              <a:t>2019/7/4</a:t>
             </a:fld>
             <a:endParaRPr lang="zh-TW" altLang="en-US"/>
           </a:p>
@@ -11710,6 +11713,612 @@
 </file>
 
 <file path=ppt/slides/slide20.xml><?xml version="1.0" encoding="utf-8"?>
+<p:sld xmlns:a="http://schemas.openxmlformats.org/drawingml/2006/main" xmlns:r="http://schemas.openxmlformats.org/officeDocument/2006/relationships" xmlns:p="http://schemas.openxmlformats.org/presentationml/2006/main">
+  <p:cSld>
+    <p:spTree>
+      <p:nvGrpSpPr>
+        <p:cNvPr id="1" name=""/>
+        <p:cNvGrpSpPr/>
+        <p:nvPr/>
+      </p:nvGrpSpPr>
+      <p:grpSpPr>
+        <a:xfrm>
+          <a:off x="0" y="0"/>
+          <a:ext cx="0" cy="0"/>
+          <a:chOff x="0" y="0"/>
+          <a:chExt cx="0" cy="0"/>
+        </a:xfrm>
+      </p:grpSpPr>
+      <p:sp>
+        <p:nvSpPr>
+          <p:cNvPr id="2" name="標題 1">
+            <a:extLst>
+              <a:ext uri="{FF2B5EF4-FFF2-40B4-BE49-F238E27FC236}">
+                <a16:creationId xmlns:a16="http://schemas.microsoft.com/office/drawing/2014/main" id="{E717D970-7763-448F-BA85-77FEE31E2E19}"/>
+              </a:ext>
+            </a:extLst>
+          </p:cNvPr>
+          <p:cNvSpPr>
+            <a:spLocks noGrp="1"/>
+          </p:cNvSpPr>
+          <p:nvPr>
+            <p:ph type="title"/>
+          </p:nvPr>
+        </p:nvSpPr>
+        <p:spPr/>
+        <p:txBody>
+          <a:bodyPr/>
+          <a:lstStyle/>
+          <a:p>
+            <a:r>
+              <a:rPr lang="en-US" altLang="zh-TW" dirty="0"/>
+              <a:t>Assignment 2 – CX Fanfares</a:t>
+            </a:r>
+            <a:endParaRPr lang="zh-TW" altLang="en-US" dirty="0"/>
+          </a:p>
+        </p:txBody>
+      </p:sp>
+      <p:pic>
+        <p:nvPicPr>
+          <p:cNvPr id="1026" name="Picture 2" descr="CX Fanfaresçåçæå°çµæ">
+            <a:extLst>
+              <a:ext uri="{FF2B5EF4-FFF2-40B4-BE49-F238E27FC236}">
+                <a16:creationId xmlns:a16="http://schemas.microsoft.com/office/drawing/2014/main" id="{ABCB7D02-6E67-4783-BD3A-458399285D2A}"/>
+              </a:ext>
+            </a:extLst>
+          </p:cNvPr>
+          <p:cNvPicPr>
+            <a:picLocks noChangeAspect="1" noChangeArrowheads="1"/>
+          </p:cNvPicPr>
+          <p:nvPr/>
+        </p:nvPicPr>
+        <p:blipFill>
+          <a:blip r:embed="rId2">
+            <a:extLst>
+              <a:ext uri="{28A0092B-C50C-407E-A947-70E740481C1C}">
+                <a14:useLocalDpi xmlns:a14="http://schemas.microsoft.com/office/drawing/2010/main" val="0"/>
+              </a:ext>
+            </a:extLst>
+          </a:blip>
+          <a:srcRect/>
+          <a:stretch>
+            <a:fillRect/>
+          </a:stretch>
+        </p:blipFill>
+        <p:spPr bwMode="auto">
+          <a:xfrm>
+            <a:off x="4355976" y="1417638"/>
+            <a:ext cx="3440978" cy="1623900"/>
+          </a:xfrm>
+          <a:prstGeom prst="rect">
+            <a:avLst/>
+          </a:prstGeom>
+          <a:noFill/>
+          <a:extLst>
+            <a:ext uri="{909E8E84-426E-40DD-AFC4-6F175D3DCCD1}">
+              <a14:hiddenFill xmlns:a14="http://schemas.microsoft.com/office/drawing/2010/main">
+                <a:solidFill>
+                  <a:srgbClr val="FFFFFF"/>
+                </a:solidFill>
+              </a14:hiddenFill>
+            </a:ext>
+          </a:extLst>
+        </p:spPr>
+      </p:pic>
+      <p:pic>
+        <p:nvPicPr>
+          <p:cNvPr id="1028" name="Picture 4" descr="CX Fanfaresçåçæå°çµæ">
+            <a:extLst>
+              <a:ext uri="{FF2B5EF4-FFF2-40B4-BE49-F238E27FC236}">
+                <a16:creationId xmlns:a16="http://schemas.microsoft.com/office/drawing/2014/main" id="{BAA078CE-5E39-4F47-93C4-BF46C40C85C2}"/>
+              </a:ext>
+            </a:extLst>
+          </p:cNvPr>
+          <p:cNvPicPr>
+            <a:picLocks noChangeAspect="1" noChangeArrowheads="1"/>
+          </p:cNvPicPr>
+          <p:nvPr/>
+        </p:nvPicPr>
+        <p:blipFill>
+          <a:blip r:embed="rId3" cstate="print">
+            <a:extLst>
+              <a:ext uri="{28A0092B-C50C-407E-A947-70E740481C1C}">
+                <a14:useLocalDpi xmlns:a14="http://schemas.microsoft.com/office/drawing/2010/main" val="0"/>
+              </a:ext>
+            </a:extLst>
+          </a:blip>
+          <a:srcRect/>
+          <a:stretch>
+            <a:fillRect/>
+          </a:stretch>
+        </p:blipFill>
+        <p:spPr bwMode="auto">
+          <a:xfrm>
+            <a:off x="1060273" y="1417638"/>
+            <a:ext cx="3168352" cy="3168352"/>
+          </a:xfrm>
+          <a:prstGeom prst="rect">
+            <a:avLst/>
+          </a:prstGeom>
+          <a:noFill/>
+          <a:extLst>
+            <a:ext uri="{909E8E84-426E-40DD-AFC4-6F175D3DCCD1}">
+              <a14:hiddenFill xmlns:a14="http://schemas.microsoft.com/office/drawing/2010/main">
+                <a:solidFill>
+                  <a:srgbClr val="FFFFFF"/>
+                </a:solidFill>
+              </a14:hiddenFill>
+            </a:ext>
+          </a:extLst>
+        </p:spPr>
+      </p:pic>
+      <p:pic>
+        <p:nvPicPr>
+          <p:cNvPr id="1030" name="Picture 6" descr="CX Fanfaresçåçæå°çµæ">
+            <a:extLst>
+              <a:ext uri="{FF2B5EF4-FFF2-40B4-BE49-F238E27FC236}">
+                <a16:creationId xmlns:a16="http://schemas.microsoft.com/office/drawing/2014/main" id="{2F798CE9-E2B2-45FF-AD89-35CCCB067B58}"/>
+              </a:ext>
+            </a:extLst>
+          </p:cNvPr>
+          <p:cNvPicPr>
+            <a:picLocks noChangeAspect="1" noChangeArrowheads="1"/>
+          </p:cNvPicPr>
+          <p:nvPr/>
+        </p:nvPicPr>
+        <p:blipFill>
+          <a:blip r:embed="rId4">
+            <a:extLst>
+              <a:ext uri="{28A0092B-C50C-407E-A947-70E740481C1C}">
+                <a14:useLocalDpi xmlns:a14="http://schemas.microsoft.com/office/drawing/2010/main" val="0"/>
+              </a:ext>
+            </a:extLst>
+          </a:blip>
+          <a:srcRect/>
+          <a:stretch>
+            <a:fillRect/>
+          </a:stretch>
+        </p:blipFill>
+        <p:spPr bwMode="auto">
+          <a:xfrm>
+            <a:off x="4341250" y="3140968"/>
+            <a:ext cx="3455703" cy="3117032"/>
+          </a:xfrm>
+          <a:prstGeom prst="rect">
+            <a:avLst/>
+          </a:prstGeom>
+          <a:noFill/>
+          <a:extLst>
+            <a:ext uri="{909E8E84-426E-40DD-AFC4-6F175D3DCCD1}">
+              <a14:hiddenFill xmlns:a14="http://schemas.microsoft.com/office/drawing/2010/main">
+                <a:solidFill>
+                  <a:srgbClr val="FFFFFF"/>
+                </a:solidFill>
+              </a14:hiddenFill>
+            </a:ext>
+          </a:extLst>
+        </p:spPr>
+      </p:pic>
+    </p:spTree>
+    <p:extLst>
+      <p:ext uri="{BB962C8B-B14F-4D97-AF65-F5344CB8AC3E}">
+        <p14:creationId xmlns:p14="http://schemas.microsoft.com/office/powerpoint/2010/main" val="771590005"/>
+      </p:ext>
+    </p:extLst>
+  </p:cSld>
+  <p:clrMapOvr>
+    <a:masterClrMapping/>
+  </p:clrMapOvr>
+</p:sld>
+</file>
+
+<file path=ppt/slides/slide21.xml><?xml version="1.0" encoding="utf-8"?>
+<p:sld xmlns:a="http://schemas.openxmlformats.org/drawingml/2006/main" xmlns:r="http://schemas.openxmlformats.org/officeDocument/2006/relationships" xmlns:p="http://schemas.openxmlformats.org/presentationml/2006/main">
+  <p:cSld>
+    <p:spTree>
+      <p:nvGrpSpPr>
+        <p:cNvPr id="1" name=""/>
+        <p:cNvGrpSpPr/>
+        <p:nvPr/>
+      </p:nvGrpSpPr>
+      <p:grpSpPr>
+        <a:xfrm>
+          <a:off x="0" y="0"/>
+          <a:ext cx="0" cy="0"/>
+          <a:chOff x="0" y="0"/>
+          <a:chExt cx="0" cy="0"/>
+        </a:xfrm>
+      </p:grpSpPr>
+      <p:sp>
+        <p:nvSpPr>
+          <p:cNvPr id="2" name="標題 1">
+            <a:extLst>
+              <a:ext uri="{FF2B5EF4-FFF2-40B4-BE49-F238E27FC236}">
+                <a16:creationId xmlns:a16="http://schemas.microsoft.com/office/drawing/2014/main" id="{E717D970-7763-448F-BA85-77FEE31E2E19}"/>
+              </a:ext>
+            </a:extLst>
+          </p:cNvPr>
+          <p:cNvSpPr>
+            <a:spLocks noGrp="1"/>
+          </p:cNvSpPr>
+          <p:nvPr>
+            <p:ph type="title"/>
+          </p:nvPr>
+        </p:nvSpPr>
+        <p:spPr/>
+        <p:txBody>
+          <a:bodyPr/>
+          <a:lstStyle/>
+          <a:p>
+            <a:r>
+              <a:rPr lang="en-US" altLang="zh-TW" dirty="0"/>
+              <a:t>Assignment 2 – CX Fanfares</a:t>
+            </a:r>
+            <a:endParaRPr lang="zh-TW" altLang="en-US" dirty="0"/>
+          </a:p>
+        </p:txBody>
+      </p:sp>
+      <p:sp>
+        <p:nvSpPr>
+          <p:cNvPr id="3" name="文字方塊 2">
+            <a:extLst>
+              <a:ext uri="{FF2B5EF4-FFF2-40B4-BE49-F238E27FC236}">
+                <a16:creationId xmlns:a16="http://schemas.microsoft.com/office/drawing/2014/main" id="{32BB2FC5-523B-430C-BC00-EE201833AF38}"/>
+              </a:ext>
+            </a:extLst>
+          </p:cNvPr>
+          <p:cNvSpPr txBox="1"/>
+          <p:nvPr/>
+        </p:nvSpPr>
+        <p:spPr>
+          <a:xfrm>
+            <a:off x="1043608" y="1417638"/>
+            <a:ext cx="6984776" cy="4524315"/>
+          </a:xfrm>
+          <a:prstGeom prst="rect">
+            <a:avLst/>
+          </a:prstGeom>
+          <a:noFill/>
+        </p:spPr>
+        <p:txBody>
+          <a:bodyPr wrap="square" rtlCol="0">
+            <a:spAutoFit/>
+          </a:bodyPr>
+          <a:lstStyle/>
+          <a:p>
+            <a:pPr marL="285750" indent="-285750">
+              <a:buFont typeface="Arial" panose="020B0604020202020204" pitchFamily="34" charset="0"/>
+              <a:buChar char="•"/>
+            </a:pPr>
+            <a:r>
+              <a:rPr lang="en-US" altLang="zh-TW" dirty="0"/>
+              <a:t>Reference: </a:t>
+            </a:r>
+            <a:br>
+              <a:rPr lang="en-US" altLang="zh-TW" dirty="0"/>
+            </a:br>
+            <a:r>
+              <a:rPr lang="en-US" altLang="zh-TW" dirty="0">
+                <a:hlinkClick r:id="rId2"/>
+              </a:rPr>
+              <a:t>https://www.cathaypacific.com/cx/zh_HK/latest-offers/flights/fanfares/index.html</a:t>
+            </a:r>
+            <a:endParaRPr lang="en-US" altLang="zh-TW" dirty="0"/>
+          </a:p>
+          <a:p>
+            <a:pPr marL="285750" indent="-285750">
+              <a:buFont typeface="Arial" panose="020B0604020202020204" pitchFamily="34" charset="0"/>
+              <a:buChar char="•"/>
+            </a:pPr>
+            <a:r>
+              <a:rPr lang="en-US" altLang="zh-TW" dirty="0"/>
+              <a:t>Data source: </a:t>
+            </a:r>
+            <a:br>
+              <a:rPr lang="en-US" altLang="zh-TW" dirty="0"/>
+            </a:br>
+            <a:r>
+              <a:rPr lang="en-US" altLang="zh-TW" u="sng" dirty="0">
+                <a:hlinkClick r:id="rId3"/>
+              </a:rPr>
+              <a:t>http://roasterpig.blogspot.com/2012/10/cathay-fanfares.html</a:t>
+            </a:r>
+            <a:endParaRPr lang="en-US" altLang="zh-TW" u="sng" dirty="0"/>
+          </a:p>
+          <a:p>
+            <a:pPr marL="285750" indent="-285750">
+              <a:buFont typeface="Arial" panose="020B0604020202020204" pitchFamily="34" charset="0"/>
+              <a:buChar char="•"/>
+            </a:pPr>
+            <a:r>
+              <a:rPr lang="en-US" altLang="zh-TW" dirty="0"/>
+              <a:t>Proceeded data:</a:t>
+            </a:r>
+            <a:br>
+              <a:rPr lang="en-US" altLang="zh-TW" dirty="0"/>
+            </a:br>
+            <a:r>
+              <a:rPr lang="en-US" altLang="zh-TW" dirty="0"/>
+              <a:t>fanfares.csv</a:t>
+            </a:r>
+            <a:br>
+              <a:rPr lang="en-US" altLang="zh-TW" dirty="0"/>
+            </a:br>
+            <a:endParaRPr lang="en-US" altLang="zh-TW" dirty="0"/>
+          </a:p>
+          <a:p>
+            <a:pPr marL="285750" indent="-285750">
+              <a:buFont typeface="Arial" panose="020B0604020202020204" pitchFamily="34" charset="0"/>
+              <a:buChar char="•"/>
+            </a:pPr>
+            <a:r>
+              <a:rPr lang="en-US" altLang="zh-TW" dirty="0"/>
+              <a:t>Task:</a:t>
+            </a:r>
+          </a:p>
+          <a:p>
+            <a:pPr marL="800100" lvl="1" indent="-342900">
+              <a:buFont typeface="+mj-lt"/>
+              <a:buAutoNum type="arabicPeriod"/>
+            </a:pPr>
+            <a:r>
+              <a:rPr lang="en-US" altLang="zh-TW" dirty="0"/>
+              <a:t>Reading the csv (Reference: fanfares_import.py)</a:t>
+            </a:r>
+            <a:br>
+              <a:rPr lang="en-US" altLang="zh-TW" dirty="0"/>
+            </a:br>
+            <a:r>
+              <a:rPr lang="en-US" altLang="zh-TW" dirty="0"/>
+              <a:t>Note: the first row is the header.</a:t>
+            </a:r>
+          </a:p>
+          <a:p>
+            <a:pPr marL="800100" lvl="1" indent="-342900">
+              <a:buFont typeface="+mj-lt"/>
+              <a:buAutoNum type="arabicPeriod"/>
+            </a:pPr>
+            <a:r>
+              <a:rPr lang="en-US" altLang="zh-TW" dirty="0"/>
+              <a:t>Find the no. of offers (row) for each destination country</a:t>
+            </a:r>
+          </a:p>
+          <a:p>
+            <a:pPr marL="800100" lvl="1" indent="-342900">
+              <a:buFont typeface="+mj-lt"/>
+              <a:buAutoNum type="arabicPeriod"/>
+            </a:pPr>
+            <a:r>
+              <a:rPr lang="en-US" altLang="zh-TW" dirty="0"/>
+              <a:t>Find the top 5 cities having largest no. of quotas</a:t>
+            </a:r>
+          </a:p>
+          <a:p>
+            <a:pPr marL="800100" lvl="1" indent="-342900">
+              <a:buFont typeface="+mj-lt"/>
+              <a:buAutoNum type="arabicPeriod"/>
+            </a:pPr>
+            <a:r>
+              <a:rPr lang="en-US" altLang="zh-TW" dirty="0"/>
+              <a:t>Find the average price (quota weighted) for each city</a:t>
+            </a:r>
+          </a:p>
+          <a:p>
+            <a:pPr marL="800100" lvl="1" indent="-342900">
+              <a:buFont typeface="+mj-lt"/>
+              <a:buAutoNum type="arabicPeriod"/>
+            </a:pPr>
+            <a:r>
+              <a:rPr lang="en-US" altLang="zh-TW" dirty="0"/>
+              <a:t>For each offer, compute its offering period</a:t>
+            </a:r>
+          </a:p>
+          <a:p>
+            <a:pPr marL="800100" lvl="1" indent="-342900">
+              <a:buFont typeface="+mj-lt"/>
+              <a:buAutoNum type="arabicPeriod"/>
+            </a:pPr>
+            <a:r>
+              <a:rPr lang="en-US" altLang="zh-TW" dirty="0"/>
+              <a:t>Find the no. of offers for each offering period</a:t>
+            </a:r>
+            <a:endParaRPr lang="zh-TW" altLang="en-US" dirty="0"/>
+          </a:p>
+        </p:txBody>
+      </p:sp>
+    </p:spTree>
+    <p:extLst>
+      <p:ext uri="{BB962C8B-B14F-4D97-AF65-F5344CB8AC3E}">
+        <p14:creationId xmlns:p14="http://schemas.microsoft.com/office/powerpoint/2010/main" val="619092509"/>
+      </p:ext>
+    </p:extLst>
+  </p:cSld>
+  <p:clrMapOvr>
+    <a:masterClrMapping/>
+  </p:clrMapOvr>
+</p:sld>
+</file>
+
+<file path=ppt/slides/slide22.xml><?xml version="1.0" encoding="utf-8"?>
+<p:sld xmlns:a="http://schemas.openxmlformats.org/drawingml/2006/main" xmlns:r="http://schemas.openxmlformats.org/officeDocument/2006/relationships" xmlns:p="http://schemas.openxmlformats.org/presentationml/2006/main">
+  <p:cSld>
+    <p:spTree>
+      <p:nvGrpSpPr>
+        <p:cNvPr id="1" name=""/>
+        <p:cNvGrpSpPr/>
+        <p:nvPr/>
+      </p:nvGrpSpPr>
+      <p:grpSpPr>
+        <a:xfrm>
+          <a:off x="0" y="0"/>
+          <a:ext cx="0" cy="0"/>
+          <a:chOff x="0" y="0"/>
+          <a:chExt cx="0" cy="0"/>
+        </a:xfrm>
+      </p:grpSpPr>
+      <p:sp>
+        <p:nvSpPr>
+          <p:cNvPr id="2" name="標題 1">
+            <a:extLst>
+              <a:ext uri="{FF2B5EF4-FFF2-40B4-BE49-F238E27FC236}">
+                <a16:creationId xmlns:a16="http://schemas.microsoft.com/office/drawing/2014/main" id="{E717D970-7763-448F-BA85-77FEE31E2E19}"/>
+              </a:ext>
+            </a:extLst>
+          </p:cNvPr>
+          <p:cNvSpPr>
+            <a:spLocks noGrp="1"/>
+          </p:cNvSpPr>
+          <p:nvPr>
+            <p:ph type="title"/>
+          </p:nvPr>
+        </p:nvSpPr>
+        <p:spPr/>
+        <p:txBody>
+          <a:bodyPr/>
+          <a:lstStyle/>
+          <a:p>
+            <a:r>
+              <a:rPr lang="en-US" altLang="zh-TW" dirty="0"/>
+              <a:t>Assignment 2 – CX Fanfares</a:t>
+            </a:r>
+            <a:endParaRPr lang="zh-TW" altLang="en-US" dirty="0"/>
+          </a:p>
+        </p:txBody>
+      </p:sp>
+      <p:sp>
+        <p:nvSpPr>
+          <p:cNvPr id="3" name="文字方塊 2">
+            <a:extLst>
+              <a:ext uri="{FF2B5EF4-FFF2-40B4-BE49-F238E27FC236}">
+                <a16:creationId xmlns:a16="http://schemas.microsoft.com/office/drawing/2014/main" id="{32BB2FC5-523B-430C-BC00-EE201833AF38}"/>
+              </a:ext>
+            </a:extLst>
+          </p:cNvPr>
+          <p:cNvSpPr txBox="1"/>
+          <p:nvPr/>
+        </p:nvSpPr>
+        <p:spPr>
+          <a:xfrm>
+            <a:off x="1043608" y="1417638"/>
+            <a:ext cx="6984776" cy="5262979"/>
+          </a:xfrm>
+          <a:prstGeom prst="rect">
+            <a:avLst/>
+          </a:prstGeom>
+          <a:noFill/>
+        </p:spPr>
+        <p:txBody>
+          <a:bodyPr wrap="square" rtlCol="0">
+            <a:spAutoFit/>
+          </a:bodyPr>
+          <a:lstStyle/>
+          <a:p>
+            <a:pPr marL="285750" indent="-285750">
+              <a:buFont typeface="Arial" panose="020B0604020202020204" pitchFamily="34" charset="0"/>
+              <a:buChar char="•"/>
+            </a:pPr>
+            <a:r>
+              <a:rPr lang="en-US" altLang="zh-TW" sz="2400" dirty="0"/>
+              <a:t>Marking Scheme:</a:t>
+            </a:r>
+          </a:p>
+          <a:p>
+            <a:pPr marL="742950" lvl="1" indent="-285750">
+              <a:buFont typeface="Arial" panose="020B0604020202020204" pitchFamily="34" charset="0"/>
+              <a:buChar char="•"/>
+            </a:pPr>
+            <a:r>
+              <a:rPr lang="en-US" altLang="zh-TW" sz="2400" dirty="0"/>
+              <a:t>50% - the program should be RUN-able.</a:t>
+            </a:r>
+          </a:p>
+          <a:p>
+            <a:pPr marL="742950" lvl="1" indent="-285750">
+              <a:buFont typeface="Arial" panose="020B0604020202020204" pitchFamily="34" charset="0"/>
+              <a:buChar char="•"/>
+            </a:pPr>
+            <a:r>
+              <a:rPr lang="en-US" altLang="zh-TW" sz="2400" dirty="0"/>
+              <a:t>30% - success and accurate for task 1-6 (each 5%)</a:t>
+            </a:r>
+          </a:p>
+          <a:p>
+            <a:pPr marL="742950" lvl="1" indent="-285750">
+              <a:buFont typeface="Arial" panose="020B0604020202020204" pitchFamily="34" charset="0"/>
+              <a:buChar char="•"/>
+            </a:pPr>
+            <a:r>
+              <a:rPr lang="en-US" altLang="zh-TW" sz="2400" dirty="0"/>
+              <a:t>10% - The program should be READ-able</a:t>
+            </a:r>
+          </a:p>
+          <a:p>
+            <a:pPr marL="742950" lvl="1" indent="-285750">
+              <a:buFont typeface="Arial" panose="020B0604020202020204" pitchFamily="34" charset="0"/>
+              <a:buChar char="•"/>
+            </a:pPr>
+            <a:r>
+              <a:rPr lang="en-US" altLang="zh-TW" sz="2400" dirty="0"/>
+              <a:t>10% - The assignment should be handed ON-TIME</a:t>
+            </a:r>
+          </a:p>
+          <a:p>
+            <a:pPr marL="285750" indent="-285750">
+              <a:buFont typeface="Arial" panose="020B0604020202020204" pitchFamily="34" charset="0"/>
+              <a:buChar char="•"/>
+            </a:pPr>
+            <a:r>
+              <a:rPr lang="en-US" altLang="zh-TW" sz="2400" dirty="0"/>
+              <a:t>Super NOTE:</a:t>
+            </a:r>
+          </a:p>
+          <a:p>
+            <a:pPr marL="742950" lvl="1" indent="-285750">
+              <a:buFont typeface="Arial" panose="020B0604020202020204" pitchFamily="34" charset="0"/>
+              <a:buChar char="•"/>
+            </a:pPr>
+            <a:r>
+              <a:rPr lang="en-US" altLang="zh-TW" sz="2400" dirty="0"/>
+              <a:t>30% DISCOUNT to your mark if “import pandas” is in your program</a:t>
+            </a:r>
+          </a:p>
+          <a:p>
+            <a:pPr marL="742950" lvl="1" indent="-285750">
+              <a:buFont typeface="Arial" panose="020B0604020202020204" pitchFamily="34" charset="0"/>
+              <a:buChar char="•"/>
+            </a:pPr>
+            <a:r>
+              <a:rPr lang="en-US" altLang="zh-TW" sz="2400" dirty="0"/>
+              <a:t>Since the objective is for familiar the usage of Tuple / List / Dictionary, and also the map / lambda / and comprehension functions</a:t>
+            </a:r>
+          </a:p>
+          <a:p>
+            <a:pPr marL="742950" lvl="1" indent="-285750">
+              <a:buFont typeface="Arial" panose="020B0604020202020204" pitchFamily="34" charset="0"/>
+              <a:buChar char="•"/>
+            </a:pPr>
+            <a:r>
+              <a:rPr lang="en-US" altLang="zh-TW" sz="2400" dirty="0"/>
+              <a:t>Welcome to get reference to your classmates if you cannot solve this</a:t>
+            </a:r>
+            <a:endParaRPr lang="zh-TW" altLang="en-US" sz="2400" dirty="0"/>
+          </a:p>
+        </p:txBody>
+      </p:sp>
+    </p:spTree>
+    <p:extLst>
+      <p:ext uri="{BB962C8B-B14F-4D97-AF65-F5344CB8AC3E}">
+        <p14:creationId xmlns:p14="http://schemas.microsoft.com/office/powerpoint/2010/main" val="2904956358"/>
+      </p:ext>
+    </p:extLst>
+  </p:cSld>
+  <p:clrMapOvr>
+    <a:masterClrMapping/>
+  </p:clrMapOvr>
+</p:sld>
+</file>
+
+<file path=ppt/slides/slide23.xml><?xml version="1.0" encoding="utf-8"?>
 <p:sld xmlns:a="http://schemas.openxmlformats.org/drawingml/2006/main" xmlns:r="http://schemas.openxmlformats.org/officeDocument/2006/relationships" xmlns:p="http://schemas.openxmlformats.org/presentationml/2006/main">
   <p:cSld>
     <p:spTree>
